--- a/Vue视频笔记/Day 02/PPT/04-组件化开发.pptx
+++ b/Vue视频笔记/Day 02/PPT/04-组件化开发.pptx
@@ -155,16 +155,16 @@
         <p14:section name="注册组件" id="{8397FEBF-EC97-DC41-90D3-CCDE55EEFD7A}">
           <p14:sldIdLst>
             <p14:sldId id="259"/>
+            <p14:sldId id="260"/>
             <p14:sldId id="261"/>
-            <p14:sldId id="260"/>
           </p14:sldIdLst>
         </p14:section>
         <p14:section name="组件其他补充" id="{A84DE29B-16C9-A741-AECE-3F2E4D863C2E}">
           <p14:sldIdLst>
             <p14:sldId id="262"/>
+            <p14:sldId id="263"/>
+            <p14:sldId id="264"/>
             <p14:sldId id="265"/>
-            <p14:sldId id="264"/>
-            <p14:sldId id="263"/>
           </p14:sldIdLst>
         </p14:section>
         <p14:section name="组件数据存放" id="{51C401D0-134F-4D98-944A-4BAB3D2A7BA1}">
@@ -201,13 +201,13 @@
         </p14:section>
         <p14:section name="插槽slot" id="{BC8F0DC4-6286-564B-B434-ACA3603B2CB8}">
           <p14:sldIdLst>
-            <p14:sldId id="279"/>
             <p14:sldId id="280"/>
             <p14:sldId id="281"/>
             <p14:sldId id="282"/>
             <p14:sldId id="283"/>
             <p14:sldId id="284"/>
             <p14:sldId id="285"/>
+            <p14:sldId id="279"/>
           </p14:sldIdLst>
         </p14:section>
       </p14:sectionLst>
